--- a/CMPT417_Final_project.pptx
+++ b/CMPT417_Final_project.pptx
@@ -264,7 +264,7 @@
           <a:p>
             <a:fld id="{D95D99A3-993D-5848-986E-6250B570E1CF}" type="datetimeFigureOut">
               <a:rPr lang="en-US" smtClean="0"/>
-              <a:t>4/6/21</a:t>
+              <a:t>4/12/21</a:t>
             </a:fld>
             <a:endParaRPr lang="en-US"/>
           </a:p>
@@ -462,7 +462,7 @@
           <a:p>
             <a:fld id="{D95D99A3-993D-5848-986E-6250B570E1CF}" type="datetimeFigureOut">
               <a:rPr lang="en-US" smtClean="0"/>
-              <a:t>4/6/21</a:t>
+              <a:t>4/12/21</a:t>
             </a:fld>
             <a:endParaRPr lang="en-US"/>
           </a:p>
@@ -670,7 +670,7 @@
           <a:p>
             <a:fld id="{D95D99A3-993D-5848-986E-6250B570E1CF}" type="datetimeFigureOut">
               <a:rPr lang="en-US" smtClean="0"/>
-              <a:t>4/6/21</a:t>
+              <a:t>4/12/21</a:t>
             </a:fld>
             <a:endParaRPr lang="en-US"/>
           </a:p>
@@ -868,7 +868,7 @@
           <a:p>
             <a:fld id="{D95D99A3-993D-5848-986E-6250B570E1CF}" type="datetimeFigureOut">
               <a:rPr lang="en-US" smtClean="0"/>
-              <a:t>4/6/21</a:t>
+              <a:t>4/12/21</a:t>
             </a:fld>
             <a:endParaRPr lang="en-US"/>
           </a:p>
@@ -1143,7 +1143,7 @@
           <a:p>
             <a:fld id="{D95D99A3-993D-5848-986E-6250B570E1CF}" type="datetimeFigureOut">
               <a:rPr lang="en-US" smtClean="0"/>
-              <a:t>4/6/21</a:t>
+              <a:t>4/12/21</a:t>
             </a:fld>
             <a:endParaRPr lang="en-US"/>
           </a:p>
@@ -1408,7 +1408,7 @@
           <a:p>
             <a:fld id="{D95D99A3-993D-5848-986E-6250B570E1CF}" type="datetimeFigureOut">
               <a:rPr lang="en-US" smtClean="0"/>
-              <a:t>4/6/21</a:t>
+              <a:t>4/12/21</a:t>
             </a:fld>
             <a:endParaRPr lang="en-US"/>
           </a:p>
@@ -1820,7 +1820,7 @@
           <a:p>
             <a:fld id="{D95D99A3-993D-5848-986E-6250B570E1CF}" type="datetimeFigureOut">
               <a:rPr lang="en-US" smtClean="0"/>
-              <a:t>4/6/21</a:t>
+              <a:t>4/12/21</a:t>
             </a:fld>
             <a:endParaRPr lang="en-US"/>
           </a:p>
@@ -1961,7 +1961,7 @@
           <a:p>
             <a:fld id="{D95D99A3-993D-5848-986E-6250B570E1CF}" type="datetimeFigureOut">
               <a:rPr lang="en-US" smtClean="0"/>
-              <a:t>4/6/21</a:t>
+              <a:t>4/12/21</a:t>
             </a:fld>
             <a:endParaRPr lang="en-US"/>
           </a:p>
@@ -2074,7 +2074,7 @@
           <a:p>
             <a:fld id="{D95D99A3-993D-5848-986E-6250B570E1CF}" type="datetimeFigureOut">
               <a:rPr lang="en-US" smtClean="0"/>
-              <a:t>4/6/21</a:t>
+              <a:t>4/12/21</a:t>
             </a:fld>
             <a:endParaRPr lang="en-US"/>
           </a:p>
@@ -2385,7 +2385,7 @@
           <a:p>
             <a:fld id="{D95D99A3-993D-5848-986E-6250B570E1CF}" type="datetimeFigureOut">
               <a:rPr lang="en-US" smtClean="0"/>
-              <a:t>4/6/21</a:t>
+              <a:t>4/12/21</a:t>
             </a:fld>
             <a:endParaRPr lang="en-US"/>
           </a:p>
@@ -2673,7 +2673,7 @@
           <a:p>
             <a:fld id="{D95D99A3-993D-5848-986E-6250B570E1CF}" type="datetimeFigureOut">
               <a:rPr lang="en-US" smtClean="0"/>
-              <a:t>4/6/21</a:t>
+              <a:t>4/12/21</a:t>
             </a:fld>
             <a:endParaRPr lang="en-US"/>
           </a:p>
@@ -2914,7 +2914,7 @@
           <a:p>
             <a:fld id="{D95D99A3-993D-5848-986E-6250B570E1CF}" type="datetimeFigureOut">
               <a:rPr lang="en-US" smtClean="0"/>
-              <a:t>4/6/21</a:t>
+              <a:t>4/12/21</a:t>
             </a:fld>
             <a:endParaRPr lang="en-US"/>
           </a:p>
@@ -3435,7 +3435,7 @@
           <a:p>
             <a:pPr algn="l"/>
             <a:r>
-              <a:rPr lang="en-US" sz="5600" kern="1200">
+              <a:rPr lang="en-US" sz="5600" kern="1200" dirty="0">
                 <a:solidFill>
                   <a:schemeClr val="bg1"/>
                 </a:solidFill>
@@ -3446,7 +3446,7 @@
               <a:t>SIPP: Safe Interval Path Planning for Dynamic Environments </a:t>
             </a:r>
             <a:br>
-              <a:rPr lang="en-US" sz="5600" kern="1200">
+              <a:rPr lang="en-US" sz="5600" kern="1200" dirty="0">
                 <a:solidFill>
                   <a:schemeClr val="bg1"/>
                 </a:solidFill>
@@ -3455,7 +3455,7 @@
                 <a:cs typeface="+mj-cs"/>
               </a:rPr>
             </a:br>
-            <a:endParaRPr lang="en-US" sz="5600" kern="1200">
+            <a:endParaRPr lang="en-US" sz="5600" kern="1200" dirty="0">
               <a:solidFill>
                 <a:schemeClr val="bg1"/>
               </a:solidFill>
@@ -3656,7 +3656,7 @@
         </p:nvSpPr>
         <p:spPr>
           <a:xfrm>
-            <a:off x="1913468" y="112462"/>
+            <a:off x="1913468" y="365124"/>
             <a:ext cx="9440332" cy="1325563"/>
           </a:xfrm>
         </p:spPr>
